--- a/Documentation.pptx
+++ b/Documentation.pptx
@@ -27538,8 +27538,8 @@
               <a:rPr lang="en-US" dirty="0"/>
             </a:br>
             <a:r>
-              <a:rPr lang="en-US" sz="2400" dirty="0"/>
-              <a:t>Responsibility of the main actors</a:t>
+              <a:rPr lang="en-US" sz="2400" dirty="0" smtClean="0"/>
+              <a:t>Transformation pipeline</a:t>
             </a:r>
             <a:endParaRPr lang="en-US" dirty="0"/>
           </a:p>
